--- a/Fall_2018/Slides/05-Query_Optimization-2.pptx
+++ b/Fall_2018/Slides/05-Query_Optimization-2.pptx
@@ -311,7 +311,7 @@
               <a:pPr>
                 <a:defRPr/>
               </a:pPr>
-              <a:t>2017/11/1</a:t>
+              <a:t>2018/10/24</a:t>
             </a:fld>
             <a:endParaRPr lang="zh-CN" altLang="en-US"/>
           </a:p>
@@ -1900,7 +1900,7 @@
               <a:pPr>
                 <a:defRPr/>
               </a:pPr>
-              <a:t>2017/11/1</a:t>
+              <a:t>2018/10/24</a:t>
             </a:fld>
             <a:endParaRPr lang="zh-CN" altLang="en-US"/>
           </a:p>
@@ -2101,7 +2101,7 @@
               <a:pPr>
                 <a:defRPr/>
               </a:pPr>
-              <a:t>2017/11/1</a:t>
+              <a:t>2018/10/24</a:t>
             </a:fld>
             <a:endParaRPr lang="zh-CN" altLang="en-US"/>
           </a:p>
@@ -2311,7 +2311,7 @@
               <a:pPr>
                 <a:defRPr/>
               </a:pPr>
-              <a:t>2017/11/1</a:t>
+              <a:t>2018/10/24</a:t>
             </a:fld>
             <a:endParaRPr lang="zh-CN" altLang="en-US"/>
           </a:p>
@@ -2511,7 +2511,7 @@
               <a:pPr>
                 <a:defRPr/>
               </a:pPr>
-              <a:t>2017/11/1</a:t>
+              <a:t>2018/10/24</a:t>
             </a:fld>
             <a:endParaRPr lang="zh-CN" altLang="en-US"/>
           </a:p>
@@ -3034,7 +3034,7 @@
               <a:pPr>
                 <a:defRPr/>
               </a:pPr>
-              <a:t>2017/11/1</a:t>
+              <a:t>2018/10/24</a:t>
             </a:fld>
             <a:endParaRPr lang="zh-CN" altLang="en-US"/>
           </a:p>
@@ -3334,7 +3334,7 @@
               <a:pPr>
                 <a:defRPr/>
               </a:pPr>
-              <a:t>2017/11/1</a:t>
+              <a:t>2018/10/24</a:t>
             </a:fld>
             <a:endParaRPr lang="zh-CN" altLang="en-US"/>
           </a:p>
@@ -3849,7 +3849,7 @@
               <a:pPr>
                 <a:defRPr/>
               </a:pPr>
-              <a:t>2017/11/1</a:t>
+              <a:t>2018/10/24</a:t>
             </a:fld>
             <a:endParaRPr lang="zh-CN" altLang="en-US"/>
           </a:p>
@@ -4001,7 +4001,7 @@
               <a:pPr>
                 <a:defRPr/>
               </a:pPr>
-              <a:t>2017/11/1</a:t>
+              <a:t>2018/10/24</a:t>
             </a:fld>
             <a:endParaRPr lang="zh-CN" altLang="en-US"/>
           </a:p>
@@ -4246,7 +4246,7 @@
               <a:pPr>
                 <a:defRPr/>
               </a:pPr>
-              <a:t>2017/11/1</a:t>
+              <a:t>2018/10/24</a:t>
             </a:fld>
             <a:endParaRPr lang="zh-CN" altLang="en-US"/>
           </a:p>
@@ -4539,7 +4539,7 @@
               <a:pPr>
                 <a:defRPr/>
               </a:pPr>
-              <a:t>2017/11/1</a:t>
+              <a:t>2018/10/24</a:t>
             </a:fld>
             <a:endParaRPr lang="zh-CN" altLang="en-US"/>
           </a:p>
@@ -5006,7 +5006,7 @@
               <a:pPr>
                 <a:defRPr/>
               </a:pPr>
-              <a:t>2017/11/1</a:t>
+              <a:t>2018/10/24</a:t>
             </a:fld>
             <a:endParaRPr lang="zh-CN" altLang="en-US"/>
           </a:p>
@@ -5573,7 +5573,7 @@
               <a:pPr>
                 <a:defRPr/>
               </a:pPr>
-              <a:t>2017/11/1</a:t>
+              <a:t>2018/10/24</a:t>
             </a:fld>
             <a:endParaRPr lang="zh-CN" altLang="en-US"/>
           </a:p>
@@ -6296,7 +6296,11 @@
             </a:pPr>
             <a:r>
               <a:rPr lang="en-US" altLang="zh-CN" sz="2800" dirty="0"/>
-              <a:t>Autumn, 2017</a:t>
+              <a:t>Autumn, </a:t>
+            </a:r>
+            <a:r>
+              <a:rPr lang="en-US" altLang="zh-CN" sz="2800" dirty="0" smtClean="0"/>
+              <a:t>2018</a:t>
             </a:r>
             <a:endParaRPr lang="zh-CN" altLang="en-US" sz="2800" dirty="0"/>
           </a:p>
@@ -7486,7 +7490,7 @@
           <a:graphicData uri="http://schemas.openxmlformats.org/presentationml/2006/ole">
             <mc:AlternateContent xmlns:mc="http://schemas.openxmlformats.org/markup-compatibility/2006">
               <mc:Choice xmlns:v="urn:schemas-microsoft-com:vml" Requires="v">
-                <p:oleObj spid="_x0000_s11355" name="公式" r:id="rId3" imgW="152280" imgH="139680" progId="Equation.3">
+                <p:oleObj spid="_x0000_s11358" name="公式" r:id="rId3" imgW="152280" imgH="139680" progId="Equation.3">
                   <p:embed/>
                 </p:oleObj>
               </mc:Choice>
@@ -7581,7 +7585,7 @@
           <a:graphicData uri="http://schemas.openxmlformats.org/presentationml/2006/ole">
             <mc:AlternateContent xmlns:mc="http://schemas.openxmlformats.org/markup-compatibility/2006">
               <mc:Choice xmlns:v="urn:schemas-microsoft-com:vml" Requires="v">
-                <p:oleObj spid="_x0000_s11356" name="公式" r:id="rId5" imgW="152280" imgH="139680" progId="Equation.3">
+                <p:oleObj spid="_x0000_s11359" name="公式" r:id="rId5" imgW="152280" imgH="139680" progId="Equation.3">
                   <p:embed/>
                 </p:oleObj>
               </mc:Choice>
@@ -11076,7 +11080,7 @@
           <a:graphicData uri="http://schemas.openxmlformats.org/presentationml/2006/ole">
             <mc:AlternateContent xmlns:mc="http://schemas.openxmlformats.org/markup-compatibility/2006">
               <mc:Choice xmlns:v="urn:schemas-microsoft-com:vml" Requires="v">
-                <p:oleObj spid="_x0000_s12337" name="Equation" r:id="rId3" imgW="1600200" imgH="279360" progId="Equation.DSMT4">
+                <p:oleObj spid="_x0000_s12339" name="Equation" r:id="rId3" imgW="1600200" imgH="279360" progId="Equation.DSMT4">
                   <p:embed/>
                 </p:oleObj>
               </mc:Choice>
@@ -12641,6 +12645,13 @@
   <p:clrMapOvr>
     <a:masterClrMapping/>
   </p:clrMapOvr>
+  <p:timing>
+    <p:tnLst>
+      <p:par>
+        <p:cTn id="1" dur="indefinite" restart="never" nodeType="tmRoot"/>
+      </p:par>
+    </p:tnLst>
+  </p:timing>
 </p:sld>
 </file>
 
@@ -14420,6 +14431,13 @@
   <p:clrMapOvr>
     <a:masterClrMapping/>
   </p:clrMapOvr>
+  <p:timing>
+    <p:tnLst>
+      <p:par>
+        <p:cTn id="1" dur="indefinite" restart="never" nodeType="tmRoot"/>
+      </p:par>
+    </p:tnLst>
+  </p:timing>
 </p:sld>
 </file>
 
@@ -17961,6 +17979,13 @@
   <p:clrMapOvr>
     <a:masterClrMapping/>
   </p:clrMapOvr>
+  <p:timing>
+    <p:tnLst>
+      <p:par>
+        <p:cTn id="1" dur="indefinite" restart="never" nodeType="tmRoot"/>
+      </p:par>
+    </p:tnLst>
+  </p:timing>
 </p:sld>
 </file>
 
@@ -20641,6 +20666,13 @@
   <p:clrMapOvr>
     <a:masterClrMapping/>
   </p:clrMapOvr>
+  <p:timing>
+    <p:tnLst>
+      <p:par>
+        <p:cTn id="1" dur="indefinite" restart="never" nodeType="tmRoot"/>
+      </p:par>
+    </p:tnLst>
+  </p:timing>
 </p:sld>
 </file>
 
@@ -20890,6 +20922,13 @@
   <p:clrMapOvr>
     <a:masterClrMapping/>
   </p:clrMapOvr>
+  <p:timing>
+    <p:tnLst>
+      <p:par>
+        <p:cTn id="1" dur="indefinite" restart="never" nodeType="tmRoot"/>
+      </p:par>
+    </p:tnLst>
+  </p:timing>
 </p:sld>
 </file>
 
@@ -21195,6 +21234,13 @@
   <p:clrMapOvr>
     <a:masterClrMapping/>
   </p:clrMapOvr>
+  <p:timing>
+    <p:tnLst>
+      <p:par>
+        <p:cTn id="1" dur="indefinite" restart="never" nodeType="tmRoot"/>
+      </p:par>
+    </p:tnLst>
+  </p:timing>
 </p:sld>
 </file>
 
@@ -21601,7 +21647,7 @@
           <a:graphicData uri="http://schemas.openxmlformats.org/presentationml/2006/ole">
             <mc:AlternateContent xmlns:mc="http://schemas.openxmlformats.org/markup-compatibility/2006">
               <mc:Choice xmlns:v="urn:schemas-microsoft-com:vml" Requires="v">
-                <p:oleObj spid="_x0000_s95273" name="Equation" r:id="rId3" imgW="901440" imgH="241200" progId="Equation.DSMT4">
+                <p:oleObj spid="_x0000_s95275" name="Equation" r:id="rId3" imgW="901440" imgH="241200" progId="Equation.DSMT4">
                   <p:embed/>
                 </p:oleObj>
               </mc:Choice>
@@ -22489,7 +22535,7 @@
           <a:graphicData uri="http://schemas.openxmlformats.org/presentationml/2006/ole">
             <mc:AlternateContent xmlns:mc="http://schemas.openxmlformats.org/markup-compatibility/2006">
               <mc:Choice xmlns:v="urn:schemas-microsoft-com:vml" Requires="v">
-                <p:oleObj spid="_x0000_s96297" name="Equation" r:id="rId3" imgW="1879600" imgH="419100" progId="Equation.DSMT4">
+                <p:oleObj spid="_x0000_s96299" name="Equation" r:id="rId3" imgW="1879600" imgH="419100" progId="Equation.DSMT4">
                   <p:embed/>
                 </p:oleObj>
               </mc:Choice>
@@ -23131,7 +23177,7 @@
           <a:graphicData uri="http://schemas.openxmlformats.org/presentationml/2006/ole">
             <mc:AlternateContent xmlns:mc="http://schemas.openxmlformats.org/markup-compatibility/2006">
               <mc:Choice xmlns:v="urn:schemas-microsoft-com:vml" Requires="v">
-                <p:oleObj spid="_x0000_s97321" name="Equation" r:id="rId3" imgW="3378200" imgH="2489200" progId="Equation.DSMT4">
+                <p:oleObj spid="_x0000_s97323" name="Equation" r:id="rId3" imgW="3378200" imgH="2489200" progId="Equation.DSMT4">
                   <p:embed/>
                 </p:oleObj>
               </mc:Choice>
@@ -23773,7 +23819,7 @@
           <a:graphicData uri="http://schemas.openxmlformats.org/presentationml/2006/ole">
             <mc:AlternateContent xmlns:mc="http://schemas.openxmlformats.org/markup-compatibility/2006">
               <mc:Choice xmlns:v="urn:schemas-microsoft-com:vml" Requires="v">
-                <p:oleObj spid="_x0000_s98384" name="Equation" r:id="rId3" imgW="1498600" imgH="203200" progId="Equation.DSMT4">
+                <p:oleObj spid="_x0000_s98387" name="Equation" r:id="rId3" imgW="1498600" imgH="203200" progId="Equation.DSMT4">
                   <p:embed/>
                 </p:oleObj>
               </mc:Choice>
@@ -24318,7 +24364,7 @@
           <a:graphicData uri="http://schemas.openxmlformats.org/presentationml/2006/ole">
             <mc:AlternateContent xmlns:mc="http://schemas.openxmlformats.org/markup-compatibility/2006">
               <mc:Choice xmlns:v="urn:schemas-microsoft-com:vml" Requires="v">
-                <p:oleObj spid="_x0000_s98385" name="Equation" r:id="rId5" imgW="952500" imgH="203200" progId="Equation.DSMT4">
+                <p:oleObj spid="_x0000_s98388" name="Equation" r:id="rId5" imgW="952500" imgH="203200" progId="Equation.DSMT4">
                   <p:embed/>
                 </p:oleObj>
               </mc:Choice>
@@ -24766,6 +24812,13 @@
   <p:clrMapOvr>
     <a:masterClrMapping/>
   </p:clrMapOvr>
+  <p:timing>
+    <p:tnLst>
+      <p:par>
+        <p:cTn id="1" dur="indefinite" restart="never" nodeType="tmRoot"/>
+      </p:par>
+    </p:tnLst>
+  </p:timing>
 </p:sld>
 </file>
 
@@ -25180,7 +25233,7 @@
           <a:graphicData uri="http://schemas.openxmlformats.org/presentationml/2006/ole">
             <mc:AlternateContent xmlns:mc="http://schemas.openxmlformats.org/markup-compatibility/2006">
               <mc:Choice xmlns:v="urn:schemas-microsoft-com:vml" Requires="v">
-                <p:oleObj spid="_x0000_s99369" name="Equation" r:id="rId3" imgW="2031840" imgH="203040" progId="Equation.DSMT4">
+                <p:oleObj spid="_x0000_s99371" name="Equation" r:id="rId3" imgW="2031840" imgH="203040" progId="Equation.DSMT4">
                   <p:embed/>
                 </p:oleObj>
               </mc:Choice>
@@ -25401,6 +25454,13 @@
   <p:clrMapOvr>
     <a:masterClrMapping/>
   </p:clrMapOvr>
+  <p:timing>
+    <p:tnLst>
+      <p:par>
+        <p:cTn id="1" dur="indefinite" restart="never" nodeType="tmRoot"/>
+      </p:par>
+    </p:tnLst>
+  </p:timing>
 </p:sld>
 </file>
 
@@ -25849,7 +25909,7 @@
           <a:graphicData uri="http://schemas.openxmlformats.org/presentationml/2006/ole">
             <mc:AlternateContent xmlns:mc="http://schemas.openxmlformats.org/markup-compatibility/2006">
               <mc:Choice xmlns:v="urn:schemas-microsoft-com:vml" Requires="v">
-                <p:oleObj spid="_x0000_s100432" name="Equation" r:id="rId3" imgW="2145369" imgH="203112" progId="Equation.DSMT4">
+                <p:oleObj spid="_x0000_s100435" name="Equation" r:id="rId3" imgW="2145369" imgH="203112" progId="Equation.DSMT4">
                   <p:embed/>
                 </p:oleObj>
               </mc:Choice>
@@ -26233,7 +26293,7 @@
           <a:graphicData uri="http://schemas.openxmlformats.org/presentationml/2006/ole">
             <mc:AlternateContent xmlns:mc="http://schemas.openxmlformats.org/markup-compatibility/2006">
               <mc:Choice xmlns:v="urn:schemas-microsoft-com:vml" Requires="v">
-                <p:oleObj spid="_x0000_s100433" name="Equation" r:id="rId5" imgW="2400120" imgH="203040" progId="Equation.DSMT4">
+                <p:oleObj spid="_x0000_s100436" name="Equation" r:id="rId5" imgW="2400120" imgH="203040" progId="Equation.DSMT4">
                   <p:embed/>
                 </p:oleObj>
               </mc:Choice>
@@ -26454,6 +26514,13 @@
   <p:clrMapOvr>
     <a:masterClrMapping/>
   </p:clrMapOvr>
+  <p:timing>
+    <p:tnLst>
+      <p:par>
+        <p:cTn id="1" dur="indefinite" restart="never" nodeType="tmRoot"/>
+      </p:par>
+    </p:tnLst>
+  </p:timing>
 </p:sld>
 </file>
 
@@ -26916,7 +26983,7 @@
           <a:graphicData uri="http://schemas.openxmlformats.org/presentationml/2006/ole">
             <mc:AlternateContent xmlns:mc="http://schemas.openxmlformats.org/markup-compatibility/2006">
               <mc:Choice xmlns:v="urn:schemas-microsoft-com:vml" Requires="v">
-                <p:oleObj spid="_x0000_s101417" name="Equation" r:id="rId3" imgW="1473200" imgH="203200" progId="Equation.DSMT4">
+                <p:oleObj spid="_x0000_s101419" name="Equation" r:id="rId3" imgW="1473200" imgH="203200" progId="Equation.DSMT4">
                   <p:embed/>
                 </p:oleObj>
               </mc:Choice>
@@ -27298,6 +27365,13 @@
   <p:clrMapOvr>
     <a:masterClrMapping/>
   </p:clrMapOvr>
+  <p:timing>
+    <p:tnLst>
+      <p:par>
+        <p:cTn id="1" dur="indefinite" restart="never" nodeType="tmRoot"/>
+      </p:par>
+    </p:tnLst>
+  </p:timing>
 </p:sld>
 </file>
 
@@ -27575,6 +27649,13 @@
   <p:clrMapOvr>
     <a:masterClrMapping/>
   </p:clrMapOvr>
+  <p:timing>
+    <p:tnLst>
+      <p:par>
+        <p:cTn id="1" dur="indefinite" restart="never" nodeType="tmRoot"/>
+      </p:par>
+    </p:tnLst>
+  </p:timing>
 </p:sld>
 </file>
 
@@ -27993,7 +28074,7 @@
           <a:graphicData uri="http://schemas.openxmlformats.org/presentationml/2006/ole">
             <mc:AlternateContent xmlns:mc="http://schemas.openxmlformats.org/markup-compatibility/2006">
               <mc:Choice xmlns:v="urn:schemas-microsoft-com:vml" Requires="v">
-                <p:oleObj spid="_x0000_s103504" name="Equation" r:id="rId3" imgW="1777680" imgH="253800" progId="Equation.DSMT4">
+                <p:oleObj spid="_x0000_s103507" name="Equation" r:id="rId3" imgW="1777680" imgH="253800" progId="Equation.DSMT4">
                   <p:embed/>
                 </p:oleObj>
               </mc:Choice>
@@ -28427,7 +28508,7 @@
           <a:graphicData uri="http://schemas.openxmlformats.org/presentationml/2006/ole">
             <mc:AlternateContent xmlns:mc="http://schemas.openxmlformats.org/markup-compatibility/2006">
               <mc:Choice xmlns:v="urn:schemas-microsoft-com:vml" Requires="v">
-                <p:oleObj spid="_x0000_s103505" name="Equation" r:id="rId5" imgW="3073320" imgH="253800" progId="Equation.DSMT4">
+                <p:oleObj spid="_x0000_s103508" name="Equation" r:id="rId5" imgW="3073320" imgH="253800" progId="Equation.DSMT4">
                   <p:embed/>
                 </p:oleObj>
               </mc:Choice>
@@ -30774,7 +30855,7 @@
           <a:graphicData uri="http://schemas.openxmlformats.org/presentationml/2006/ole">
             <mc:AlternateContent xmlns:mc="http://schemas.openxmlformats.org/markup-compatibility/2006">
               <mc:Choice xmlns:v="urn:schemas-microsoft-com:vml" Requires="v">
-                <p:oleObj spid="_x0000_s10334" name="Equation" r:id="rId3" imgW="609336" imgH="203112" progId="Equation.DSMT4">
+                <p:oleObj spid="_x0000_s10337" name="Equation" r:id="rId3" imgW="609336" imgH="203112" progId="Equation.DSMT4">
                   <p:embed/>
                 </p:oleObj>
               </mc:Choice>
@@ -30844,7 +30925,7 @@
           <a:graphicData uri="http://schemas.openxmlformats.org/presentationml/2006/ole">
             <mc:AlternateContent xmlns:mc="http://schemas.openxmlformats.org/markup-compatibility/2006">
               <mc:Choice xmlns:v="urn:schemas-microsoft-com:vml" Requires="v">
-                <p:oleObj spid="_x0000_s10335" name="Equation" r:id="rId5" imgW="1168200" imgH="228600" progId="Equation.DSMT4">
+                <p:oleObj spid="_x0000_s10338" name="Equation" r:id="rId5" imgW="1168200" imgH="228600" progId="Equation.DSMT4">
                   <p:embed/>
                 </p:oleObj>
               </mc:Choice>
